--- a/source/ImplementationAtEachLayer/images_ApplicationLayer/materialApplicationLayer.pptx
+++ b/source/ImplementationAtEachLayer/images_ApplicationLayer/materialApplicationLayer.pptx
@@ -129,6 +129,20 @@
         </p14:section>
       </p14:sectionLst>
     </p:ext>
+    <p:ext uri="{EFAFB233-063F-42B5-8137-9DF3F51BA10A}">
+      <p15:sldGuideLst xmlns:p15="http://schemas.microsoft.com/office/powerpoint/2012/main">
+        <p15:guide id="1" orient="horz" pos="2160">
+          <p15:clr>
+            <a:srgbClr val="A4A3A4"/>
+          </p15:clr>
+        </p15:guide>
+        <p15:guide id="2" pos="2880">
+          <p15:clr>
+            <a:srgbClr val="A4A3A4"/>
+          </p15:clr>
+        </p15:guide>
+      </p15:sldGuideLst>
+    </p:ext>
   </p:extLst>
 </p:presentation>
 </file>
@@ -215,7 +229,7 @@
           <a:p>
             <a:fld id="{3BB47352-BF5A-4CD2-B029-996118CD8E01}" type="datetimeFigureOut">
               <a:rPr kumimoji="1" lang="ja-JP" altLang="en-US" smtClean="0"/>
-              <a:t>2014/10/15</a:t>
+              <a:t>2015/11/16</a:t>
             </a:fld>
             <a:endParaRPr kumimoji="1" lang="ja-JP" altLang="en-US"/>
           </a:p>
@@ -1347,7 +1361,7 @@
           <a:p>
             <a:fld id="{7B9B12EC-6AA0-374B-A2D3-850081A07A26}" type="datetimeFigureOut">
               <a:rPr kumimoji="1" lang="ja-JP" altLang="en-US" smtClean="0"/>
-              <a:t>2014/10/15</a:t>
+              <a:t>2015/11/16</a:t>
             </a:fld>
             <a:endParaRPr kumimoji="1" lang="ja-JP" altLang="en-US"/>
           </a:p>
@@ -1549,7 +1563,7 @@
           <a:p>
             <a:fld id="{7B9B12EC-6AA0-374B-A2D3-850081A07A26}" type="datetimeFigureOut">
               <a:rPr kumimoji="1" lang="ja-JP" altLang="en-US" smtClean="0"/>
-              <a:t>2014/10/15</a:t>
+              <a:t>2015/11/16</a:t>
             </a:fld>
             <a:endParaRPr kumimoji="1" lang="ja-JP" altLang="en-US"/>
           </a:p>
@@ -1761,7 +1775,7 @@
           <a:p>
             <a:fld id="{7B9B12EC-6AA0-374B-A2D3-850081A07A26}" type="datetimeFigureOut">
               <a:rPr kumimoji="1" lang="ja-JP" altLang="en-US" smtClean="0"/>
-              <a:t>2014/10/15</a:t>
+              <a:t>2015/11/16</a:t>
             </a:fld>
             <a:endParaRPr kumimoji="1" lang="ja-JP" altLang="en-US"/>
           </a:p>
@@ -1963,7 +1977,7 @@
           <a:p>
             <a:fld id="{7B9B12EC-6AA0-374B-A2D3-850081A07A26}" type="datetimeFigureOut">
               <a:rPr kumimoji="1" lang="ja-JP" altLang="en-US" smtClean="0"/>
-              <a:t>2014/10/15</a:t>
+              <a:t>2015/11/16</a:t>
             </a:fld>
             <a:endParaRPr kumimoji="1" lang="ja-JP" altLang="en-US"/>
           </a:p>
@@ -2209,7 +2223,7 @@
           <a:p>
             <a:fld id="{7B9B12EC-6AA0-374B-A2D3-850081A07A26}" type="datetimeFigureOut">
               <a:rPr kumimoji="1" lang="ja-JP" altLang="en-US" smtClean="0"/>
-              <a:t>2014/10/15</a:t>
+              <a:t>2015/11/16</a:t>
             </a:fld>
             <a:endParaRPr kumimoji="1" lang="ja-JP" altLang="en-US"/>
           </a:p>
@@ -2561,7 +2575,7 @@
           <a:p>
             <a:fld id="{7B9B12EC-6AA0-374B-A2D3-850081A07A26}" type="datetimeFigureOut">
               <a:rPr kumimoji="1" lang="ja-JP" altLang="en-US" smtClean="0"/>
-              <a:t>2014/10/15</a:t>
+              <a:t>2015/11/16</a:t>
             </a:fld>
             <a:endParaRPr kumimoji="1" lang="ja-JP" altLang="en-US"/>
           </a:p>
@@ -3047,7 +3061,7 @@
           <a:p>
             <a:fld id="{7B9B12EC-6AA0-374B-A2D3-850081A07A26}" type="datetimeFigureOut">
               <a:rPr kumimoji="1" lang="ja-JP" altLang="en-US" smtClean="0"/>
-              <a:t>2014/10/15</a:t>
+              <a:t>2015/11/16</a:t>
             </a:fld>
             <a:endParaRPr kumimoji="1" lang="ja-JP" altLang="en-US"/>
           </a:p>
@@ -3165,7 +3179,7 @@
           <a:p>
             <a:fld id="{7B9B12EC-6AA0-374B-A2D3-850081A07A26}" type="datetimeFigureOut">
               <a:rPr kumimoji="1" lang="ja-JP" altLang="en-US" smtClean="0"/>
-              <a:t>2014/10/15</a:t>
+              <a:t>2015/11/16</a:t>
             </a:fld>
             <a:endParaRPr kumimoji="1" lang="ja-JP" altLang="en-US"/>
           </a:p>
@@ -3260,7 +3274,7 @@
           <a:p>
             <a:fld id="{7B9B12EC-6AA0-374B-A2D3-850081A07A26}" type="datetimeFigureOut">
               <a:rPr kumimoji="1" lang="ja-JP" altLang="en-US" smtClean="0"/>
-              <a:t>2014/10/15</a:t>
+              <a:t>2015/11/16</a:t>
             </a:fld>
             <a:endParaRPr kumimoji="1" lang="ja-JP" altLang="en-US"/>
           </a:p>
@@ -3569,7 +3583,7 @@
           <a:p>
             <a:fld id="{7B9B12EC-6AA0-374B-A2D3-850081A07A26}" type="datetimeFigureOut">
               <a:rPr kumimoji="1" lang="ja-JP" altLang="en-US" smtClean="0"/>
-              <a:t>2014/10/15</a:t>
+              <a:t>2015/11/16</a:t>
             </a:fld>
             <a:endParaRPr kumimoji="1" lang="ja-JP" altLang="en-US"/>
           </a:p>
@@ -3822,7 +3836,7 @@
           <a:p>
             <a:fld id="{7B9B12EC-6AA0-374B-A2D3-850081A07A26}" type="datetimeFigureOut">
               <a:rPr kumimoji="1" lang="ja-JP" altLang="en-US" smtClean="0"/>
-              <a:t>2014/10/15</a:t>
+              <a:t>2015/11/16</a:t>
             </a:fld>
             <a:endParaRPr kumimoji="1" lang="ja-JP" altLang="en-US"/>
           </a:p>
@@ -4067,7 +4081,7 @@
           <a:p>
             <a:fld id="{7B9B12EC-6AA0-374B-A2D3-850081A07A26}" type="datetimeFigureOut">
               <a:rPr kumimoji="1" lang="ja-JP" altLang="en-US" smtClean="0"/>
-              <a:t>2014/10/15</a:t>
+              <a:t>2015/11/16</a:t>
             </a:fld>
             <a:endParaRPr kumimoji="1" lang="ja-JP" altLang="en-US"/>
           </a:p>
@@ -12607,12 +12621,36 @@
           <a:p>
             <a:pPr algn="ctr"/>
             <a:r>
+              <a:rPr lang="en-US" altLang="ja-JP" smtClean="0">
+                <a:solidFill>
+                  <a:prstClr val="white"/>
+                </a:solidFill>
+              </a:rPr>
+              <a:t>Handle</a:t>
+            </a:r>
+            <a:r>
+              <a:rPr lang="en-US" altLang="ja-JP">
+                <a:solidFill>
+                  <a:prstClr val="white"/>
+                </a:solidFill>
+              </a:rPr>
+              <a:t>r</a:t>
+            </a:r>
+            <a:r>
+              <a:rPr lang="en-US" altLang="ja-JP" smtClean="0">
+                <a:solidFill>
+                  <a:prstClr val="white"/>
+                </a:solidFill>
+              </a:rPr>
+              <a:t> </a:t>
+            </a:r>
+            <a:r>
               <a:rPr lang="en-US" altLang="ja-JP" dirty="0">
                 <a:solidFill>
                   <a:prstClr val="white"/>
                 </a:solidFill>
               </a:rPr>
-              <a:t>Processing method</a:t>
+              <a:t>method</a:t>
             </a:r>
             <a:endParaRPr lang="ja-JP" altLang="en-US" dirty="0">
               <a:solidFill>
